--- a/Twitter Analysis With R/ActivityOne/Analytics.pptx
+++ b/Twitter Analysis With R/ActivityOne/Analytics.pptx
@@ -5,7 +5,7 @@
     <p:sldMasterId id="2147483648" r:id="rId1"/>
   </p:sldMasterIdLst>
   <p:notesMasterIdLst>
-    <p:notesMasterId r:id="rId12"/>
+    <p:notesMasterId r:id="rId13"/>
   </p:notesMasterIdLst>
   <p:sldIdLst>
     <p:sldId id="256" r:id="rId2"/>
@@ -18,6 +18,7 @@
     <p:sldId id="269" r:id="rId9"/>
     <p:sldId id="257" r:id="rId10"/>
     <p:sldId id="271" r:id="rId11"/>
+    <p:sldId id="272" r:id="rId12"/>
   </p:sldIdLst>
   <p:sldSz cx="9144000" cy="6858000" type="screen4x3"/>
   <p:notesSz cx="6858000" cy="9144000"/>
@@ -201,7 +202,7 @@
           <a:p>
             <a:fld id="{AA31EFAD-1D08-944E-A7DC-1DD4DF105740}" type="datetimeFigureOut">
               <a:rPr lang="en-US" smtClean="0"/>
-              <a:t>2/4/13</a:t>
+              <a:t>2/12/13</a:t>
             </a:fld>
             <a:endParaRPr lang="en-US"/>
           </a:p>
@@ -1154,7 +1155,7 @@
           <a:p>
             <a:fld id="{BE220FD4-93CD-7244-A23F-442068751558}" type="datetimeFigureOut">
               <a:rPr lang="en-US" smtClean="0"/>
-              <a:t>2/4/13</a:t>
+              <a:t>2/12/13</a:t>
             </a:fld>
             <a:endParaRPr lang="en-US"/>
           </a:p>
@@ -1324,7 +1325,7 @@
           <a:p>
             <a:fld id="{BE220FD4-93CD-7244-A23F-442068751558}" type="datetimeFigureOut">
               <a:rPr lang="en-US" smtClean="0"/>
-              <a:t>2/4/13</a:t>
+              <a:t>2/12/13</a:t>
             </a:fld>
             <a:endParaRPr lang="en-US"/>
           </a:p>
@@ -1504,7 +1505,7 @@
           <a:p>
             <a:fld id="{BE220FD4-93CD-7244-A23F-442068751558}" type="datetimeFigureOut">
               <a:rPr lang="en-US" smtClean="0"/>
-              <a:t>2/4/13</a:t>
+              <a:t>2/12/13</a:t>
             </a:fld>
             <a:endParaRPr lang="en-US"/>
           </a:p>
@@ -1674,7 +1675,7 @@
           <a:p>
             <a:fld id="{BE220FD4-93CD-7244-A23F-442068751558}" type="datetimeFigureOut">
               <a:rPr lang="en-US" smtClean="0"/>
-              <a:t>2/4/13</a:t>
+              <a:t>2/12/13</a:t>
             </a:fld>
             <a:endParaRPr lang="en-US"/>
           </a:p>
@@ -1920,7 +1921,7 @@
           <a:p>
             <a:fld id="{BE220FD4-93CD-7244-A23F-442068751558}" type="datetimeFigureOut">
               <a:rPr lang="en-US" smtClean="0"/>
-              <a:t>2/4/13</a:t>
+              <a:t>2/12/13</a:t>
             </a:fld>
             <a:endParaRPr lang="en-US"/>
           </a:p>
@@ -2208,7 +2209,7 @@
           <a:p>
             <a:fld id="{BE220FD4-93CD-7244-A23F-442068751558}" type="datetimeFigureOut">
               <a:rPr lang="en-US" smtClean="0"/>
-              <a:t>2/4/13</a:t>
+              <a:t>2/12/13</a:t>
             </a:fld>
             <a:endParaRPr lang="en-US"/>
           </a:p>
@@ -2630,7 +2631,7 @@
           <a:p>
             <a:fld id="{BE220FD4-93CD-7244-A23F-442068751558}" type="datetimeFigureOut">
               <a:rPr lang="en-US" smtClean="0"/>
-              <a:t>2/4/13</a:t>
+              <a:t>2/12/13</a:t>
             </a:fld>
             <a:endParaRPr lang="en-US"/>
           </a:p>
@@ -2748,7 +2749,7 @@
           <a:p>
             <a:fld id="{BE220FD4-93CD-7244-A23F-442068751558}" type="datetimeFigureOut">
               <a:rPr lang="en-US" smtClean="0"/>
-              <a:t>2/4/13</a:t>
+              <a:t>2/12/13</a:t>
             </a:fld>
             <a:endParaRPr lang="en-US"/>
           </a:p>
@@ -2843,7 +2844,7 @@
           <a:p>
             <a:fld id="{BE220FD4-93CD-7244-A23F-442068751558}" type="datetimeFigureOut">
               <a:rPr lang="en-US" smtClean="0"/>
-              <a:t>2/4/13</a:t>
+              <a:t>2/12/13</a:t>
             </a:fld>
             <a:endParaRPr lang="en-US"/>
           </a:p>
@@ -3120,7 +3121,7 @@
           <a:p>
             <a:fld id="{BE220FD4-93CD-7244-A23F-442068751558}" type="datetimeFigureOut">
               <a:rPr lang="en-US" smtClean="0"/>
-              <a:t>2/4/13</a:t>
+              <a:t>2/12/13</a:t>
             </a:fld>
             <a:endParaRPr lang="en-US"/>
           </a:p>
@@ -3373,7 +3374,7 @@
           <a:p>
             <a:fld id="{BE220FD4-93CD-7244-A23F-442068751558}" type="datetimeFigureOut">
               <a:rPr lang="en-US" smtClean="0"/>
-              <a:t>2/4/13</a:t>
+              <a:t>2/12/13</a:t>
             </a:fld>
             <a:endParaRPr lang="en-US"/>
           </a:p>
@@ -3586,7 +3587,7 @@
           <a:p>
             <a:fld id="{BE220FD4-93CD-7244-A23F-442068751558}" type="datetimeFigureOut">
               <a:rPr lang="en-US" smtClean="0"/>
-              <a:t>2/4/13</a:t>
+              <a:t>2/12/13</a:t>
             </a:fld>
             <a:endParaRPr lang="en-US"/>
           </a:p>
@@ -4106,6 +4107,94 @@
 </p:sld>
 </file>
 
+<file path=ppt/slides/slide11.xml><?xml version="1.0" encoding="utf-8"?>
+<p:sld xmlns:a="http://schemas.openxmlformats.org/drawingml/2006/main" xmlns:r="http://schemas.openxmlformats.org/officeDocument/2006/relationships" xmlns:p="http://schemas.openxmlformats.org/presentationml/2006/main">
+  <p:cSld>
+    <p:spTree>
+      <p:nvGrpSpPr>
+        <p:cNvPr id="1" name=""/>
+        <p:cNvGrpSpPr/>
+        <p:nvPr/>
+      </p:nvGrpSpPr>
+      <p:grpSpPr>
+        <a:xfrm>
+          <a:off x="0" y="0"/>
+          <a:ext cx="0" cy="0"/>
+          <a:chOff x="0" y="0"/>
+          <a:chExt cx="0" cy="0"/>
+        </a:xfrm>
+      </p:grpSpPr>
+      <p:sp>
+        <p:nvSpPr>
+          <p:cNvPr id="2" name="Title 1"/>
+          <p:cNvSpPr>
+            <a:spLocks noGrp="1"/>
+          </p:cNvSpPr>
+          <p:nvPr>
+            <p:ph type="title"/>
+          </p:nvPr>
+        </p:nvSpPr>
+        <p:spPr/>
+        <p:txBody>
+          <a:bodyPr/>
+          <a:lstStyle/>
+          <a:p>
+            <a:r>
+              <a:rPr lang="en-US" dirty="0" smtClean="0"/>
+              <a:t>Other Data</a:t>
+            </a:r>
+            <a:endParaRPr lang="en-US" dirty="0"/>
+          </a:p>
+        </p:txBody>
+      </p:sp>
+      <p:sp>
+        <p:nvSpPr>
+          <p:cNvPr id="3" name="Content Placeholder 2"/>
+          <p:cNvSpPr>
+            <a:spLocks noGrp="1"/>
+          </p:cNvSpPr>
+          <p:nvPr>
+            <p:ph idx="1"/>
+          </p:nvPr>
+        </p:nvSpPr>
+        <p:spPr/>
+        <p:txBody>
+          <a:bodyPr/>
+          <a:lstStyle/>
+          <a:p>
+            <a:r>
+              <a:rPr lang="en-US" dirty="0">
+                <a:hlinkClick r:id="rId2"/>
+              </a:rPr>
+              <a:t>http://tzinfo.groupinformatics.org/</a:t>
+            </a:r>
+            <a:r>
+              <a:rPr lang="en-US" dirty="0" smtClean="0">
+                <a:hlinkClick r:id="rId2"/>
+              </a:rPr>
+              <a:t>data.tar.gz</a:t>
+            </a:r>
+            <a:r>
+              <a:rPr lang="en-US" smtClean="0"/>
+              <a:t> </a:t>
+            </a:r>
+            <a:endParaRPr lang="en-US"/>
+          </a:p>
+        </p:txBody>
+      </p:sp>
+    </p:spTree>
+    <p:extLst>
+      <p:ext uri="{BB962C8B-B14F-4D97-AF65-F5344CB8AC3E}">
+        <p14:creationId xmlns:p14="http://schemas.microsoft.com/office/powerpoint/2010/main" val="1249941929"/>
+      </p:ext>
+    </p:extLst>
+  </p:cSld>
+  <p:clrMapOvr>
+    <a:masterClrMapping/>
+  </p:clrMapOvr>
+</p:sld>
+</file>
+
 <file path=ppt/slides/slide2.xml><?xml version="1.0" encoding="utf-8"?>
 <p:sld xmlns:a="http://schemas.openxmlformats.org/drawingml/2006/main" xmlns:r="http://schemas.openxmlformats.org/officeDocument/2006/relationships" xmlns:p="http://schemas.openxmlformats.org/presentationml/2006/main">
   <p:cSld>
@@ -5277,11 +5366,7 @@
           <a:p>
             <a:r>
               <a:rPr lang="en-US" dirty="0" smtClean="0"/>
-              <a:t>Categorizing Twitter </a:t>
-            </a:r>
-            <a:r>
-              <a:rPr lang="en-US" dirty="0" smtClean="0"/>
-              <a:t>Users Politically</a:t>
+              <a:t>Categorizing Twitter Users Politically</a:t>
             </a:r>
             <a:endParaRPr lang="en-US" dirty="0"/>
           </a:p>
@@ -5503,12 +5588,12 @@
           <a:graphicData uri="http://schemas.openxmlformats.org/presentationml/2006/ole">
             <mc:AlternateContent xmlns:mc="http://schemas.openxmlformats.org/markup-compatibility/2006">
               <mc:Choice xmlns:v="urn:schemas-microsoft-com:vml" Requires="v">
-                <p:oleObj spid="_x0000_s1035" name="Document" r:id="rId3" imgW="6096000" imgH="4114800" progId="Word.Document.12">
+                <p:oleObj spid="_x0000_s1037" name="Document" r:id="rId4" imgW="6096000" imgH="4114800" progId="Word.Document.12">
                   <p:embed/>
                 </p:oleObj>
               </mc:Choice>
               <mc:Fallback>
-                <p:oleObj name="Document" r:id="rId3" imgW="6096000" imgH="4114800" progId="Word.Document.12">
+                <p:oleObj name="Document" r:id="rId4" imgW="6096000" imgH="4114800" progId="Word.Document.12">
                   <p:embed/>
                   <p:pic>
                     <p:nvPicPr>
@@ -5517,7 +5602,7 @@
                       <p:nvPr/>
                     </p:nvPicPr>
                     <p:blipFill>
-                      <a:blip r:embed="rId4"/>
+                      <a:blip r:embed="rId5"/>
                       <a:stretch>
                         <a:fillRect/>
                       </a:stretch>
